--- a/supports/P5_presentation_final.pptx
+++ b/supports/P5_presentation_final.pptx
@@ -42608,7 +42608,7 @@
         </p:nvSpPr>
         <p:spPr>
           <a:xfrm>
-            <a:off x="1484615" y="3694535"/>
+            <a:off x="1484615" y="3702284"/>
             <a:ext cx="8859061" cy="2195433"/>
           </a:xfrm>
           <a:prstGeom prst="rect">
@@ -44059,7 +44059,7 @@
         </p:nvSpPr>
         <p:spPr>
           <a:xfrm>
-            <a:off x="3913245" y="4195142"/>
+            <a:off x="3708142" y="4195142"/>
             <a:ext cx="2227800" cy="856800"/>
           </a:xfrm>
           <a:prstGeom prst="chevron">
@@ -44113,7 +44113,7 @@
         </p:nvSpPr>
         <p:spPr>
           <a:xfrm>
-            <a:off x="4196429" y="4383988"/>
+            <a:off x="3991326" y="4383988"/>
             <a:ext cx="1293117" cy="464551"/>
           </a:xfrm>
           <a:prstGeom prst="rect">
@@ -44177,7 +44177,7 @@
         </p:nvSpPr>
         <p:spPr>
           <a:xfrm>
-            <a:off x="5434370" y="4425237"/>
+            <a:off x="5229267" y="4425237"/>
             <a:ext cx="396600" cy="396600"/>
           </a:xfrm>
           <a:prstGeom prst="ellipse">
@@ -44231,7 +44231,7 @@
         </p:nvSpPr>
         <p:spPr>
           <a:xfrm>
-            <a:off x="5434871" y="4425106"/>
+            <a:off x="5229768" y="4425106"/>
             <a:ext cx="396600" cy="396600"/>
           </a:xfrm>
           <a:prstGeom prst="rect">
@@ -44298,7 +44298,7 @@
         </p:blipFill>
         <p:spPr>
           <a:xfrm>
-            <a:off x="5510997" y="4509120"/>
+            <a:off x="5305894" y="4509120"/>
             <a:ext cx="228571" cy="228571"/>
           </a:xfrm>
           <a:prstGeom prst="rect">
@@ -44320,7 +44320,7 @@
         </p:nvSpPr>
         <p:spPr>
           <a:xfrm>
-            <a:off x="5955011" y="4195142"/>
+            <a:off x="5749908" y="4195142"/>
             <a:ext cx="2227800" cy="856800"/>
           </a:xfrm>
           <a:prstGeom prst="chevron">
@@ -44370,7 +44370,7 @@
         </p:nvSpPr>
         <p:spPr>
           <a:xfrm>
-            <a:off x="6224558" y="4383988"/>
+            <a:off x="6019455" y="4383988"/>
             <a:ext cx="1306755" cy="464551"/>
           </a:xfrm>
           <a:prstGeom prst="rect">
@@ -44434,7 +44434,7 @@
         </p:nvSpPr>
         <p:spPr>
           <a:xfrm>
-            <a:off x="7476136" y="4425237"/>
+            <a:off x="7271033" y="4425237"/>
             <a:ext cx="396600" cy="396600"/>
           </a:xfrm>
           <a:prstGeom prst="ellipse">
@@ -44488,7 +44488,7 @@
         </p:nvSpPr>
         <p:spPr>
           <a:xfrm>
-            <a:off x="7476637" y="4425106"/>
+            <a:off x="7271534" y="4425106"/>
             <a:ext cx="396600" cy="396600"/>
           </a:xfrm>
           <a:prstGeom prst="rect">
@@ -44554,7 +44554,7 @@
         </p:blipFill>
         <p:spPr>
           <a:xfrm>
-            <a:off x="7560150" y="4509119"/>
+            <a:off x="7355047" y="4509119"/>
             <a:ext cx="228571" cy="228571"/>
           </a:xfrm>
           <a:prstGeom prst="rect">
@@ -44721,16 +44721,19 @@
           </p:cNvPr>
           <p:cNvCxnSpPr>
             <a:cxnSpLocks/>
+            <a:stCxn id="186" idx="3"/>
           </p:cNvCxnSpPr>
           <p:nvPr/>
         </p:nvCxnSpPr>
         <p:spPr>
           <a:xfrm flipV="1">
-            <a:off x="8175062" y="4050936"/>
-            <a:ext cx="2174308" cy="572606"/>
-          </a:xfrm>
-          <a:prstGeom prst="bentConnector2">
-            <a:avLst/>
+            <a:off x="7977708" y="4050936"/>
+            <a:ext cx="2371662" cy="572606"/>
+          </a:xfrm>
+          <a:prstGeom prst="bentConnector3">
+            <a:avLst>
+              <a:gd name="adj1" fmla="val 99991"/>
+            </a:avLst>
           </a:prstGeom>
           <a:noFill/>
           <a:ln w="19050" cap="flat" cmpd="sng">
@@ -44990,7 +44993,7 @@
         </p:nvCxnSpPr>
         <p:spPr>
           <a:xfrm flipV="1">
-            <a:off x="4927644" y="5050528"/>
+            <a:off x="4722541" y="5050528"/>
             <a:ext cx="61" cy="160716"/>
           </a:xfrm>
           <a:prstGeom prst="straightConnector1">
@@ -45022,7 +45025,7 @@
         </p:nvSpPr>
         <p:spPr>
           <a:xfrm>
-            <a:off x="4137502" y="5213425"/>
+            <a:off x="3932399" y="5213425"/>
             <a:ext cx="1577218" cy="496660"/>
           </a:xfrm>
           <a:prstGeom prst="rect">
